--- a/files/SEP-Usability-May-18.pptx
+++ b/files/SEP-Usability-May-18.pptx
@@ -8,16 +8,13 @@
     <p:sldMasterId id="2147483720" r:id="rId7"/>
   </p:sldMasterIdLst>
   <p:notesMasterIdLst>
-    <p:notesMasterId r:id="rId15"/>
+    <p:notesMasterId r:id="rId12"/>
   </p:notesMasterIdLst>
   <p:sldIdLst>
     <p:sldId id="454" r:id="rId8"/>
     <p:sldId id="510" r:id="rId9"/>
     <p:sldId id="530" r:id="rId10"/>
     <p:sldId id="538" r:id="rId11"/>
-    <p:sldId id="539" r:id="rId12"/>
-    <p:sldId id="540" r:id="rId13"/>
-    <p:sldId id="541" r:id="rId14"/>
   </p:sldIdLst>
   <p:sldSz cx="9906000" cy="6858000" type="A4"/>
   <p:notesSz cx="6797675" cy="9926638"/>
@@ -147,6 +144,18 @@
     </a:lvl9pPr>
   </p:defaultTextStyle>
   <p:extLst>
+    <p:ext uri="{521415D9-36F7-43E2-AB2F-B90AF26B5E84}">
+      <p14:sectionLst xmlns:p14="http://schemas.microsoft.com/office/powerpoint/2010/main">
+        <p14:section name="Default Section" id="{9E67248C-D6B5-BD40-A53D-5266685A5BC5}">
+          <p14:sldIdLst>
+            <p14:sldId id="454"/>
+            <p14:sldId id="510"/>
+            <p14:sldId id="530"/>
+            <p14:sldId id="538"/>
+          </p14:sldIdLst>
+        </p14:section>
+      </p14:sectionLst>
+    </p:ext>
     <p:ext uri="{EFAFB233-063F-42B5-8137-9DF3F51BA10A}">
       <p15:sldGuideLst xmlns:p15="http://schemas.microsoft.com/office/powerpoint/2012/main">
         <p15:guide id="1" orient="horz" pos="890" userDrawn="1">
@@ -881,276 +890,6 @@
 </p:notes>
 </file>
 
-<file path=ppt/notesSlides/notesSlide4.xml><?xml version="1.0" encoding="utf-8"?>
-<p:notes xmlns:a="http://schemas.openxmlformats.org/drawingml/2006/main" xmlns:r="http://schemas.openxmlformats.org/officeDocument/2006/relationships" xmlns:p="http://schemas.openxmlformats.org/presentationml/2006/main">
-  <p:cSld>
-    <p:spTree>
-      <p:nvGrpSpPr>
-        <p:cNvPr id="1" name=""/>
-        <p:cNvGrpSpPr/>
-        <p:nvPr/>
-      </p:nvGrpSpPr>
-      <p:grpSpPr>
-        <a:xfrm>
-          <a:off x="0" y="0"/>
-          <a:ext cx="0" cy="0"/>
-          <a:chOff x="0" y="0"/>
-          <a:chExt cx="0" cy="0"/>
-        </a:xfrm>
-      </p:grpSpPr>
-      <p:sp>
-        <p:nvSpPr>
-          <p:cNvPr id="2" name="Slide Image Placeholder 1"/>
-          <p:cNvSpPr>
-            <a:spLocks noGrp="1" noRot="1" noChangeAspect="1"/>
-          </p:cNvSpPr>
-          <p:nvPr>
-            <p:ph type="sldImg"/>
-          </p:nvPr>
-        </p:nvSpPr>
-        <p:spPr/>
-      </p:sp>
-      <p:sp>
-        <p:nvSpPr>
-          <p:cNvPr id="3" name="Notes Placeholder 2"/>
-          <p:cNvSpPr>
-            <a:spLocks noGrp="1"/>
-          </p:cNvSpPr>
-          <p:nvPr>
-            <p:ph type="body" idx="1"/>
-          </p:nvPr>
-        </p:nvSpPr>
-        <p:spPr/>
-        <p:txBody>
-          <a:bodyPr/>
-          <a:lstStyle/>
-          <a:p>
-            <a:endParaRPr lang="en-GB" dirty="0"/>
-          </a:p>
-        </p:txBody>
-      </p:sp>
-      <p:sp>
-        <p:nvSpPr>
-          <p:cNvPr id="4" name="Slide Number Placeholder 3"/>
-          <p:cNvSpPr>
-            <a:spLocks noGrp="1"/>
-          </p:cNvSpPr>
-          <p:nvPr>
-            <p:ph type="sldNum" sz="quarter" idx="10"/>
-          </p:nvPr>
-        </p:nvSpPr>
-        <p:spPr/>
-        <p:txBody>
-          <a:bodyPr/>
-          <a:lstStyle/>
-          <a:p>
-            <a:pPr>
-              <a:defRPr/>
-            </a:pPr>
-            <a:fld id="{CA998410-66B9-46FC-8898-E1B0EAEDC3E6}" type="slidenum">
-              <a:rPr lang="en-GB" smtClean="0"/>
-              <a:pPr>
-                <a:defRPr/>
-              </a:pPr>
-              <a:t>5</a:t>
-            </a:fld>
-            <a:endParaRPr lang="en-GB" dirty="0"/>
-          </a:p>
-        </p:txBody>
-      </p:sp>
-    </p:spTree>
-    <p:extLst>
-      <p:ext uri="{BB962C8B-B14F-4D97-AF65-F5344CB8AC3E}">
-        <p14:creationId xmlns:p14="http://schemas.microsoft.com/office/powerpoint/2010/main" val="2866167536"/>
-      </p:ext>
-    </p:extLst>
-  </p:cSld>
-  <p:clrMapOvr>
-    <a:masterClrMapping/>
-  </p:clrMapOvr>
-</p:notes>
-</file>
-
-<file path=ppt/notesSlides/notesSlide5.xml><?xml version="1.0" encoding="utf-8"?>
-<p:notes xmlns:a="http://schemas.openxmlformats.org/drawingml/2006/main" xmlns:r="http://schemas.openxmlformats.org/officeDocument/2006/relationships" xmlns:p="http://schemas.openxmlformats.org/presentationml/2006/main">
-  <p:cSld>
-    <p:spTree>
-      <p:nvGrpSpPr>
-        <p:cNvPr id="1" name=""/>
-        <p:cNvGrpSpPr/>
-        <p:nvPr/>
-      </p:nvGrpSpPr>
-      <p:grpSpPr>
-        <a:xfrm>
-          <a:off x="0" y="0"/>
-          <a:ext cx="0" cy="0"/>
-          <a:chOff x="0" y="0"/>
-          <a:chExt cx="0" cy="0"/>
-        </a:xfrm>
-      </p:grpSpPr>
-      <p:sp>
-        <p:nvSpPr>
-          <p:cNvPr id="2" name="Slide Image Placeholder 1"/>
-          <p:cNvSpPr>
-            <a:spLocks noGrp="1" noRot="1" noChangeAspect="1"/>
-          </p:cNvSpPr>
-          <p:nvPr>
-            <p:ph type="sldImg"/>
-          </p:nvPr>
-        </p:nvSpPr>
-        <p:spPr/>
-      </p:sp>
-      <p:sp>
-        <p:nvSpPr>
-          <p:cNvPr id="3" name="Notes Placeholder 2"/>
-          <p:cNvSpPr>
-            <a:spLocks noGrp="1"/>
-          </p:cNvSpPr>
-          <p:nvPr>
-            <p:ph type="body" idx="1"/>
-          </p:nvPr>
-        </p:nvSpPr>
-        <p:spPr/>
-        <p:txBody>
-          <a:bodyPr/>
-          <a:lstStyle/>
-          <a:p>
-            <a:endParaRPr lang="en-GB" dirty="0"/>
-          </a:p>
-        </p:txBody>
-      </p:sp>
-      <p:sp>
-        <p:nvSpPr>
-          <p:cNvPr id="4" name="Slide Number Placeholder 3"/>
-          <p:cNvSpPr>
-            <a:spLocks noGrp="1"/>
-          </p:cNvSpPr>
-          <p:nvPr>
-            <p:ph type="sldNum" sz="quarter" idx="10"/>
-          </p:nvPr>
-        </p:nvSpPr>
-        <p:spPr/>
-        <p:txBody>
-          <a:bodyPr/>
-          <a:lstStyle/>
-          <a:p>
-            <a:pPr>
-              <a:defRPr/>
-            </a:pPr>
-            <a:fld id="{CA998410-66B9-46FC-8898-E1B0EAEDC3E6}" type="slidenum">
-              <a:rPr lang="en-GB" smtClean="0"/>
-              <a:pPr>
-                <a:defRPr/>
-              </a:pPr>
-              <a:t>6</a:t>
-            </a:fld>
-            <a:endParaRPr lang="en-GB" dirty="0"/>
-          </a:p>
-        </p:txBody>
-      </p:sp>
-    </p:spTree>
-    <p:extLst>
-      <p:ext uri="{BB962C8B-B14F-4D97-AF65-F5344CB8AC3E}">
-        <p14:creationId xmlns:p14="http://schemas.microsoft.com/office/powerpoint/2010/main" val="4050438752"/>
-      </p:ext>
-    </p:extLst>
-  </p:cSld>
-  <p:clrMapOvr>
-    <a:masterClrMapping/>
-  </p:clrMapOvr>
-</p:notes>
-</file>
-
-<file path=ppt/notesSlides/notesSlide6.xml><?xml version="1.0" encoding="utf-8"?>
-<p:notes xmlns:a="http://schemas.openxmlformats.org/drawingml/2006/main" xmlns:r="http://schemas.openxmlformats.org/officeDocument/2006/relationships" xmlns:p="http://schemas.openxmlformats.org/presentationml/2006/main">
-  <p:cSld>
-    <p:spTree>
-      <p:nvGrpSpPr>
-        <p:cNvPr id="1" name=""/>
-        <p:cNvGrpSpPr/>
-        <p:nvPr/>
-      </p:nvGrpSpPr>
-      <p:grpSpPr>
-        <a:xfrm>
-          <a:off x="0" y="0"/>
-          <a:ext cx="0" cy="0"/>
-          <a:chOff x="0" y="0"/>
-          <a:chExt cx="0" cy="0"/>
-        </a:xfrm>
-      </p:grpSpPr>
-      <p:sp>
-        <p:nvSpPr>
-          <p:cNvPr id="2" name="Slide Image Placeholder 1"/>
-          <p:cNvSpPr>
-            <a:spLocks noGrp="1" noRot="1" noChangeAspect="1"/>
-          </p:cNvSpPr>
-          <p:nvPr>
-            <p:ph type="sldImg"/>
-          </p:nvPr>
-        </p:nvSpPr>
-        <p:spPr/>
-      </p:sp>
-      <p:sp>
-        <p:nvSpPr>
-          <p:cNvPr id="3" name="Notes Placeholder 2"/>
-          <p:cNvSpPr>
-            <a:spLocks noGrp="1"/>
-          </p:cNvSpPr>
-          <p:nvPr>
-            <p:ph type="body" idx="1"/>
-          </p:nvPr>
-        </p:nvSpPr>
-        <p:spPr/>
-        <p:txBody>
-          <a:bodyPr/>
-          <a:lstStyle/>
-          <a:p>
-            <a:endParaRPr lang="en-GB" dirty="0"/>
-          </a:p>
-        </p:txBody>
-      </p:sp>
-      <p:sp>
-        <p:nvSpPr>
-          <p:cNvPr id="4" name="Slide Number Placeholder 3"/>
-          <p:cNvSpPr>
-            <a:spLocks noGrp="1"/>
-          </p:cNvSpPr>
-          <p:nvPr>
-            <p:ph type="sldNum" sz="quarter" idx="10"/>
-          </p:nvPr>
-        </p:nvSpPr>
-        <p:spPr/>
-        <p:txBody>
-          <a:bodyPr/>
-          <a:lstStyle/>
-          <a:p>
-            <a:pPr>
-              <a:defRPr/>
-            </a:pPr>
-            <a:fld id="{CA998410-66B9-46FC-8898-E1B0EAEDC3E6}" type="slidenum">
-              <a:rPr lang="en-GB" smtClean="0"/>
-              <a:pPr>
-                <a:defRPr/>
-              </a:pPr>
-              <a:t>7</a:t>
-            </a:fld>
-            <a:endParaRPr lang="en-GB" dirty="0"/>
-          </a:p>
-        </p:txBody>
-      </p:sp>
-    </p:spTree>
-    <p:extLst>
-      <p:ext uri="{BB962C8B-B14F-4D97-AF65-F5344CB8AC3E}">
-        <p14:creationId xmlns:p14="http://schemas.microsoft.com/office/powerpoint/2010/main" val="279013751"/>
-      </p:ext>
-    </p:extLst>
-  </p:cSld>
-  <p:clrMapOvr>
-    <a:masterClrMapping/>
-  </p:clrMapOvr>
-</p:notes>
-</file>
-
 <file path=ppt/slideLayouts/slideLayout1.xml><?xml version="1.0" encoding="utf-8"?>
 <p:sldLayout xmlns:a="http://schemas.openxmlformats.org/drawingml/2006/main" xmlns:r="http://schemas.openxmlformats.org/officeDocument/2006/relationships" xmlns:p="http://schemas.openxmlformats.org/presentationml/2006/main" type="obj" preserve="1">
   <p:cSld name="Title and Content">
@@ -4677,15 +4416,15 @@
             </a:pPr>
             <a:r>
               <a:rPr lang="en-GB" sz="2800" b="1" dirty="0"/>
-              <a:t>22</a:t>
+              <a:t>18</a:t>
             </a:r>
             <a:r>
               <a:rPr lang="en-GB" sz="2800" b="1" baseline="30000" dirty="0"/>
-              <a:t>nd</a:t>
+              <a:t>th</a:t>
             </a:r>
             <a:r>
               <a:rPr lang="en-GB" sz="2800" b="1" dirty="0"/>
-              <a:t> May</a:t>
+              <a:t> May 2019</a:t>
             </a:r>
           </a:p>
           <a:p>
@@ -4831,62 +4570,21 @@
             </a:pPr>
             <a:r>
               <a:rPr lang="en-GB" sz="4000" dirty="0"/>
-              <a:t>5 face to face lab test sessions</a:t>
+              <a:t>15 online unmoderated tests using </a:t>
             </a:r>
-            <a:br>
+            <a:r>
+              <a:rPr lang="en-GB" sz="4000" dirty="0" err="1"/>
+              <a:t>UserZoom</a:t>
+            </a:r>
+            <a:r>
               <a:rPr lang="en-GB" sz="4000" dirty="0"/>
-            </a:br>
-            <a:endParaRPr lang="en-GB" sz="4000" dirty="0"/>
-          </a:p>
-          <a:p>
-            <a:pPr marL="571500" indent="-571500">
-              <a:buFont typeface="Arial" panose="020B0604020202020204" pitchFamily="34" charset="0"/>
-              <a:buChar char="•"/>
-            </a:pPr>
+              <a:t> </a:t>
+            </a:r>
             <a:r>
-              <a:rPr lang="en-GB" sz="3600" dirty="0"/>
-              <a:t>1 x Manufacturing</a:t>
+              <a:rPr lang="en-GB" sz="4000" dirty="0" err="1"/>
+              <a:t>patform</a:t>
             </a:r>
-          </a:p>
-          <a:p>
-            <a:pPr marL="571500" indent="-571500">
-              <a:buFont typeface="Arial" panose="020B0604020202020204" pitchFamily="34" charset="0"/>
-              <a:buChar char="•"/>
-            </a:pPr>
-            <a:r>
-              <a:rPr lang="en-GB" sz="3600" dirty="0"/>
-              <a:t>1 x Health &amp; Beauty</a:t>
-            </a:r>
-          </a:p>
-          <a:p>
-            <a:pPr marL="571500" indent="-571500">
-              <a:buFont typeface="Arial" panose="020B0604020202020204" pitchFamily="34" charset="0"/>
-              <a:buChar char="•"/>
-            </a:pPr>
-            <a:r>
-              <a:rPr lang="en-GB" sz="3600" dirty="0"/>
-              <a:t>1 x Finance</a:t>
-            </a:r>
-          </a:p>
-          <a:p>
-            <a:pPr marL="571500" indent="-571500">
-              <a:buFont typeface="Arial" panose="020B0604020202020204" pitchFamily="34" charset="0"/>
-              <a:buChar char="•"/>
-            </a:pPr>
-            <a:r>
-              <a:rPr lang="en-GB" sz="3600" dirty="0"/>
-              <a:t>1 x Voluntary Sector</a:t>
-            </a:r>
-          </a:p>
-          <a:p>
-            <a:pPr marL="571500" indent="-571500">
-              <a:buFont typeface="Arial" panose="020B0604020202020204" pitchFamily="34" charset="0"/>
-              <a:buChar char="•"/>
-            </a:pPr>
-            <a:r>
-              <a:rPr lang="en-GB" sz="3600" dirty="0"/>
-              <a:t>1 x Design</a:t>
-            </a:r>
+            <a:endParaRPr lang="en-GB" sz="3600" dirty="0"/>
           </a:p>
           <a:p>
             <a:pPr marL="571500" indent="-571500">
@@ -5000,32 +4698,6 @@
             </a:r>
           </a:p>
           <a:p>
-            <a:pPr marL="571500" indent="-571500">
-              <a:spcAft>
-                <a:spcPts val="300"/>
-              </a:spcAft>
-              <a:buFont typeface="+mj-lt"/>
-              <a:buAutoNum type="arabicPeriod"/>
-            </a:pPr>
-            <a:r>
-              <a:rPr lang="en-GB" sz="1800" dirty="0"/>
-              <a:t>Address lookup is a major issue for most people</a:t>
-            </a:r>
-          </a:p>
-          <a:p>
-            <a:pPr marL="571500" indent="-571500">
-              <a:spcAft>
-                <a:spcPts val="300"/>
-              </a:spcAft>
-              <a:buFont typeface="+mj-lt"/>
-              <a:buAutoNum type="arabicPeriod"/>
-            </a:pPr>
-            <a:r>
-              <a:rPr lang="en-GB" sz="1800" dirty="0"/>
-              <a:t>Search is a major issue for most people</a:t>
-            </a:r>
-          </a:p>
-          <a:p>
             <a:pPr>
               <a:spcAft>
                 <a:spcPts val="300"/>
@@ -5042,62 +4714,6 @@
             <a:r>
               <a:rPr lang="en-GB" sz="2400" b="1" dirty="0"/>
               <a:t>Issues</a:t>
-            </a:r>
-          </a:p>
-          <a:p>
-            <a:pPr marL="342900" indent="-342900">
-              <a:spcAft>
-                <a:spcPts val="300"/>
-              </a:spcAft>
-              <a:buAutoNum type="arabicPeriod"/>
-            </a:pPr>
-            <a:r>
-              <a:rPr lang="en-GB" sz="1800" dirty="0"/>
-              <a:t>Trust is still an issue with people being unsure who the site is. The .</a:t>
-            </a:r>
-            <a:r>
-              <a:rPr lang="en-GB" sz="1800" dirty="0" err="1"/>
-              <a:t>gov</a:t>
-            </a:r>
-            <a:r>
-              <a:rPr lang="en-GB" sz="1800" dirty="0"/>
-              <a:t> subdomain helps a lot but it is till not there. </a:t>
-            </a:r>
-          </a:p>
-          <a:p>
-            <a:pPr marL="342900" indent="-342900">
-              <a:spcAft>
-                <a:spcPts val="300"/>
-              </a:spcAft>
-              <a:buAutoNum type="arabicPeriod"/>
-            </a:pPr>
-            <a:r>
-              <a:rPr lang="en-GB" sz="1800" dirty="0"/>
-              <a:t>Location is the top filter/personalisation requested</a:t>
-            </a:r>
-          </a:p>
-          <a:p>
-            <a:pPr marL="342900" indent="-342900">
-              <a:spcAft>
-                <a:spcPts val="300"/>
-              </a:spcAft>
-              <a:buAutoNum type="arabicPeriod"/>
-            </a:pPr>
-            <a:r>
-              <a:rPr lang="en-GB" sz="1800" dirty="0"/>
-              <a:t>Company stage/size is the next most suggested</a:t>
-            </a:r>
-          </a:p>
-          <a:p>
-            <a:pPr marL="342900" indent="-342900">
-              <a:spcAft>
-                <a:spcPts val="300"/>
-              </a:spcAft>
-              <a:buAutoNum type="arabicPeriod"/>
-            </a:pPr>
-            <a:r>
-              <a:rPr lang="en-GB" sz="1800" dirty="0"/>
-              <a:t>Information density is too low on the Listings page</a:t>
             </a:r>
           </a:p>
           <a:p>
@@ -5192,7 +4808,7 @@
                   <a:schemeClr val="tx1"/>
                 </a:solidFill>
               </a:rPr>
-              <a:t>Low information density on listings page</a:t>
+              <a:t>Scores</a:t>
             </a:r>
           </a:p>
         </p:txBody>
@@ -5233,865 +4849,10 @@
           </a:fontRef>
         </p:style>
       </p:cxnSp>
-      <p:pic>
-        <p:nvPicPr>
-          <p:cNvPr id="12" name="Picture 11" descr="A screenshot of a social media post&#10;&#10;Description automatically generated">
-            <a:extLst>
-              <a:ext uri="{FF2B5EF4-FFF2-40B4-BE49-F238E27FC236}">
-                <a16:creationId xmlns:a16="http://schemas.microsoft.com/office/drawing/2014/main" id="{8032CA41-F1BB-864E-992E-5E9D6BC0C20A}"/>
-              </a:ext>
-            </a:extLst>
-          </p:cNvPr>
-          <p:cNvPicPr>
-            <a:picLocks noChangeAspect="1"/>
-          </p:cNvPicPr>
-          <p:nvPr/>
-        </p:nvPicPr>
-        <p:blipFill>
-          <a:blip r:embed="rId3">
-            <a:extLst>
-              <a:ext uri="{28A0092B-C50C-407E-A947-70E740481C1C}">
-                <a14:useLocalDpi xmlns:a14="http://schemas.microsoft.com/office/drawing/2010/main" val="0"/>
-              </a:ext>
-            </a:extLst>
-          </a:blip>
-          <a:stretch>
-            <a:fillRect/>
-          </a:stretch>
-        </p:blipFill>
-        <p:spPr>
-          <a:xfrm>
-            <a:off x="0" y="1417638"/>
-            <a:ext cx="4953000" cy="3257764"/>
-          </a:xfrm>
-          <a:prstGeom prst="rect">
-            <a:avLst/>
-          </a:prstGeom>
-        </p:spPr>
-      </p:pic>
-      <p:sp>
-        <p:nvSpPr>
-          <p:cNvPr id="13" name="TextBox 12">
-            <a:extLst>
-              <a:ext uri="{FF2B5EF4-FFF2-40B4-BE49-F238E27FC236}">
-                <a16:creationId xmlns:a16="http://schemas.microsoft.com/office/drawing/2014/main" id="{15DBAD6C-BE08-5A4C-BD0C-55AE1BCAE966}"/>
-              </a:ext>
-            </a:extLst>
-          </p:cNvPr>
-          <p:cNvSpPr txBox="1"/>
-          <p:nvPr/>
-        </p:nvSpPr>
-        <p:spPr>
-          <a:xfrm>
-            <a:off x="5317763" y="2661452"/>
-            <a:ext cx="3198376" cy="646331"/>
-          </a:xfrm>
-          <a:prstGeom prst="rect">
-            <a:avLst/>
-          </a:prstGeom>
-          <a:noFill/>
-        </p:spPr>
-        <p:txBody>
-          <a:bodyPr wrap="none" rtlCol="0">
-            <a:spAutoFit/>
-          </a:bodyPr>
-          <a:lstStyle/>
-          <a:p>
-            <a:r>
-              <a:rPr lang="en-US" dirty="0"/>
-              <a:t>Typically a user can only see </a:t>
-            </a:r>
-          </a:p>
-          <a:p>
-            <a:r>
-              <a:rPr lang="en-US" dirty="0"/>
-              <a:t>1 to 1.5 listings per page</a:t>
-            </a:r>
-          </a:p>
-        </p:txBody>
-      </p:sp>
-      <p:sp>
-        <p:nvSpPr>
-          <p:cNvPr id="17" name="Arc 16">
-            <a:extLst>
-              <a:ext uri="{FF2B5EF4-FFF2-40B4-BE49-F238E27FC236}">
-                <a16:creationId xmlns:a16="http://schemas.microsoft.com/office/drawing/2014/main" id="{A280E49F-FC47-764C-8772-80B4D6C30CAE}"/>
-              </a:ext>
-            </a:extLst>
-          </p:cNvPr>
-          <p:cNvSpPr/>
-          <p:nvPr/>
-        </p:nvSpPr>
-        <p:spPr>
-          <a:xfrm flipV="1">
-            <a:off x="272480" y="2593427"/>
-            <a:ext cx="6120680" cy="1428711"/>
-          </a:xfrm>
-          <a:prstGeom prst="arc">
-            <a:avLst/>
-          </a:prstGeom>
-          <a:ln w="63500">
-            <a:solidFill>
-              <a:srgbClr val="FF0000"/>
-            </a:solidFill>
-          </a:ln>
-        </p:spPr>
-        <p:style>
-          <a:lnRef idx="2">
-            <a:schemeClr val="dk1"/>
-          </a:lnRef>
-          <a:fillRef idx="0">
-            <a:schemeClr val="dk1"/>
-          </a:fillRef>
-          <a:effectRef idx="1">
-            <a:schemeClr val="dk1"/>
-          </a:effectRef>
-          <a:fontRef idx="minor">
-            <a:schemeClr val="tx1"/>
-          </a:fontRef>
-        </p:style>
-        <p:txBody>
-          <a:bodyPr rtlCol="0" anchor="ctr"/>
-          <a:lstStyle/>
-          <a:p>
-            <a:pPr algn="ctr"/>
-            <a:endParaRPr lang="en-US" dirty="0"/>
-          </a:p>
-        </p:txBody>
-      </p:sp>
     </p:spTree>
     <p:extLst>
       <p:ext uri="{BB962C8B-B14F-4D97-AF65-F5344CB8AC3E}">
         <p14:creationId xmlns:p14="http://schemas.microsoft.com/office/powerpoint/2010/main" val="494784806"/>
-      </p:ext>
-    </p:extLst>
-  </p:cSld>
-  <p:clrMapOvr>
-    <a:masterClrMapping/>
-  </p:clrMapOvr>
-</p:sld>
-</file>
-
-<file path=ppt/slides/slide5.xml><?xml version="1.0" encoding="utf-8"?>
-<p:sld xmlns:a="http://schemas.openxmlformats.org/drawingml/2006/main" xmlns:r="http://schemas.openxmlformats.org/officeDocument/2006/relationships" xmlns:p="http://schemas.openxmlformats.org/presentationml/2006/main">
-  <p:cSld>
-    <p:spTree>
-      <p:nvGrpSpPr>
-        <p:cNvPr id="1" name=""/>
-        <p:cNvGrpSpPr/>
-        <p:nvPr/>
-      </p:nvGrpSpPr>
-      <p:grpSpPr>
-        <a:xfrm>
-          <a:off x="0" y="0"/>
-          <a:ext cx="0" cy="0"/>
-          <a:chOff x="0" y="0"/>
-          <a:chExt cx="0" cy="0"/>
-        </a:xfrm>
-      </p:grpSpPr>
-      <p:sp>
-        <p:nvSpPr>
-          <p:cNvPr id="2" name="Title 1">
-            <a:extLst>
-              <a:ext uri="{FF2B5EF4-FFF2-40B4-BE49-F238E27FC236}">
-                <a16:creationId xmlns:a16="http://schemas.microsoft.com/office/drawing/2014/main" id="{8E03E6A4-DAE7-4962-8E6B-B7D70EB215C7}"/>
-              </a:ext>
-            </a:extLst>
-          </p:cNvPr>
-          <p:cNvSpPr>
-            <a:spLocks noGrp="1"/>
-          </p:cNvSpPr>
-          <p:nvPr>
-            <p:ph type="title"/>
-          </p:nvPr>
-        </p:nvSpPr>
-        <p:spPr>
-          <a:xfrm>
-            <a:off x="0" y="274638"/>
-            <a:ext cx="9906000" cy="1143000"/>
-          </a:xfrm>
-        </p:spPr>
-        <p:txBody>
-          <a:bodyPr/>
-          <a:lstStyle/>
-          <a:p>
-            <a:r>
-              <a:rPr lang="en-GB" sz="3200" dirty="0">
-                <a:solidFill>
-                  <a:schemeClr val="tx1"/>
-                </a:solidFill>
-              </a:rPr>
-              <a:t>Address lookup</a:t>
-            </a:r>
-          </a:p>
-        </p:txBody>
-      </p:sp>
-      <p:cxnSp>
-        <p:nvCxnSpPr>
-          <p:cNvPr id="10" name="Straight Connector 9">
-            <a:extLst>
-              <a:ext uri="{FF2B5EF4-FFF2-40B4-BE49-F238E27FC236}">
-                <a16:creationId xmlns:a16="http://schemas.microsoft.com/office/drawing/2014/main" id="{3BEFFC9E-026D-6540-8361-53FF8CDB64F9}"/>
-              </a:ext>
-            </a:extLst>
-          </p:cNvPr>
-          <p:cNvCxnSpPr/>
-          <p:nvPr/>
-        </p:nvCxnSpPr>
-        <p:spPr>
-          <a:xfrm>
-            <a:off x="272480" y="908720"/>
-            <a:ext cx="9361040" cy="0"/>
-          </a:xfrm>
-          <a:prstGeom prst="line">
-            <a:avLst/>
-          </a:prstGeom>
-        </p:spPr>
-        <p:style>
-          <a:lnRef idx="3">
-            <a:schemeClr val="dk1"/>
-          </a:lnRef>
-          <a:fillRef idx="0">
-            <a:schemeClr val="dk1"/>
-          </a:fillRef>
-          <a:effectRef idx="2">
-            <a:schemeClr val="dk1"/>
-          </a:effectRef>
-          <a:fontRef idx="minor">
-            <a:schemeClr val="tx1"/>
-          </a:fontRef>
-        </p:style>
-      </p:cxnSp>
-      <p:pic>
-        <p:nvPicPr>
-          <p:cNvPr id="4" name="Picture 3" descr="A screenshot of a cell phone&#10;&#10;Description automatically generated">
-            <a:extLst>
-              <a:ext uri="{FF2B5EF4-FFF2-40B4-BE49-F238E27FC236}">
-                <a16:creationId xmlns:a16="http://schemas.microsoft.com/office/drawing/2014/main" id="{BF5130E9-99DA-DD4C-BDEB-AD37AE48413C}"/>
-              </a:ext>
-            </a:extLst>
-          </p:cNvPr>
-          <p:cNvPicPr>
-            <a:picLocks noChangeAspect="1"/>
-          </p:cNvPicPr>
-          <p:nvPr/>
-        </p:nvPicPr>
-        <p:blipFill>
-          <a:blip r:embed="rId3">
-            <a:extLst>
-              <a:ext uri="{28A0092B-C50C-407E-A947-70E740481C1C}">
-                <a14:useLocalDpi xmlns:a14="http://schemas.microsoft.com/office/drawing/2010/main" val="0"/>
-              </a:ext>
-            </a:extLst>
-          </a:blip>
-          <a:stretch>
-            <a:fillRect/>
-          </a:stretch>
-        </p:blipFill>
-        <p:spPr>
-          <a:xfrm>
-            <a:off x="-22240" y="1113595"/>
-            <a:ext cx="9906000" cy="2315405"/>
-          </a:xfrm>
-          <a:prstGeom prst="rect">
-            <a:avLst/>
-          </a:prstGeom>
-        </p:spPr>
-      </p:pic>
-      <p:sp>
-        <p:nvSpPr>
-          <p:cNvPr id="6" name="TextBox 5">
-            <a:extLst>
-              <a:ext uri="{FF2B5EF4-FFF2-40B4-BE49-F238E27FC236}">
-                <a16:creationId xmlns:a16="http://schemas.microsoft.com/office/drawing/2014/main" id="{DFB2430B-B6D6-2849-AB55-B765B7EAB39C}"/>
-              </a:ext>
-            </a:extLst>
-          </p:cNvPr>
-          <p:cNvSpPr txBox="1"/>
-          <p:nvPr/>
-        </p:nvSpPr>
-        <p:spPr>
-          <a:xfrm>
-            <a:off x="3331572" y="4509120"/>
-            <a:ext cx="3326552" cy="369332"/>
-          </a:xfrm>
-          <a:prstGeom prst="rect">
-            <a:avLst/>
-          </a:prstGeom>
-          <a:noFill/>
-        </p:spPr>
-        <p:txBody>
-          <a:bodyPr wrap="none" rtlCol="0">
-            <a:spAutoFit/>
-          </a:bodyPr>
-          <a:lstStyle/>
-          <a:p>
-            <a:r>
-              <a:rPr lang="en-US" dirty="0"/>
-              <a:t>Address lookup is still an issue</a:t>
-            </a:r>
-          </a:p>
-        </p:txBody>
-      </p:sp>
-      <p:cxnSp>
-        <p:nvCxnSpPr>
-          <p:cNvPr id="8" name="Straight Connector 7">
-            <a:extLst>
-              <a:ext uri="{FF2B5EF4-FFF2-40B4-BE49-F238E27FC236}">
-                <a16:creationId xmlns:a16="http://schemas.microsoft.com/office/drawing/2014/main" id="{CA20F09D-A90E-7D4B-A0B9-6DD5B43FA18A}"/>
-              </a:ext>
-            </a:extLst>
-          </p:cNvPr>
-          <p:cNvCxnSpPr>
-            <a:cxnSpLocks/>
-          </p:cNvCxnSpPr>
-          <p:nvPr/>
-        </p:nvCxnSpPr>
-        <p:spPr>
-          <a:xfrm flipV="1">
-            <a:off x="4953000" y="3429000"/>
-            <a:ext cx="0" cy="1080120"/>
-          </a:xfrm>
-          <a:prstGeom prst="line">
-            <a:avLst/>
-          </a:prstGeom>
-          <a:ln w="63500">
-            <a:solidFill>
-              <a:srgbClr val="FF0000"/>
-            </a:solidFill>
-          </a:ln>
-        </p:spPr>
-        <p:style>
-          <a:lnRef idx="3">
-            <a:schemeClr val="dk1"/>
-          </a:lnRef>
-          <a:fillRef idx="0">
-            <a:schemeClr val="dk1"/>
-          </a:fillRef>
-          <a:effectRef idx="2">
-            <a:schemeClr val="dk1"/>
-          </a:effectRef>
-          <a:fontRef idx="minor">
-            <a:schemeClr val="tx1"/>
-          </a:fontRef>
-        </p:style>
-      </p:cxnSp>
-    </p:spTree>
-    <p:extLst>
-      <p:ext uri="{BB962C8B-B14F-4D97-AF65-F5344CB8AC3E}">
-        <p14:creationId xmlns:p14="http://schemas.microsoft.com/office/powerpoint/2010/main" val="2150873711"/>
-      </p:ext>
-    </p:extLst>
-  </p:cSld>
-  <p:clrMapOvr>
-    <a:masterClrMapping/>
-  </p:clrMapOvr>
-</p:sld>
-</file>
-
-<file path=ppt/slides/slide6.xml><?xml version="1.0" encoding="utf-8"?>
-<p:sld xmlns:a="http://schemas.openxmlformats.org/drawingml/2006/main" xmlns:r="http://schemas.openxmlformats.org/officeDocument/2006/relationships" xmlns:p="http://schemas.openxmlformats.org/presentationml/2006/main">
-  <p:cSld>
-    <p:spTree>
-      <p:nvGrpSpPr>
-        <p:cNvPr id="1" name=""/>
-        <p:cNvGrpSpPr/>
-        <p:nvPr/>
-      </p:nvGrpSpPr>
-      <p:grpSpPr>
-        <a:xfrm>
-          <a:off x="0" y="0"/>
-          <a:ext cx="0" cy="0"/>
-          <a:chOff x="0" y="0"/>
-          <a:chExt cx="0" cy="0"/>
-        </a:xfrm>
-      </p:grpSpPr>
-      <p:sp>
-        <p:nvSpPr>
-          <p:cNvPr id="2" name="Title 1">
-            <a:extLst>
-              <a:ext uri="{FF2B5EF4-FFF2-40B4-BE49-F238E27FC236}">
-                <a16:creationId xmlns:a16="http://schemas.microsoft.com/office/drawing/2014/main" id="{8E03E6A4-DAE7-4962-8E6B-B7D70EB215C7}"/>
-              </a:ext>
-            </a:extLst>
-          </p:cNvPr>
-          <p:cNvSpPr>
-            <a:spLocks noGrp="1"/>
-          </p:cNvSpPr>
-          <p:nvPr>
-            <p:ph type="title"/>
-          </p:nvPr>
-        </p:nvSpPr>
-        <p:spPr>
-          <a:xfrm>
-            <a:off x="0" y="274638"/>
-            <a:ext cx="9906000" cy="1143000"/>
-          </a:xfrm>
-        </p:spPr>
-        <p:txBody>
-          <a:bodyPr/>
-          <a:lstStyle/>
-          <a:p>
-            <a:r>
-              <a:rPr lang="en-GB" sz="3200" dirty="0">
-                <a:solidFill>
-                  <a:schemeClr val="tx1"/>
-                </a:solidFill>
-              </a:rPr>
-              <a:t>Search not returning Partial Match’s</a:t>
-            </a:r>
-          </a:p>
-        </p:txBody>
-      </p:sp>
-      <p:cxnSp>
-        <p:nvCxnSpPr>
-          <p:cNvPr id="10" name="Straight Connector 9">
-            <a:extLst>
-              <a:ext uri="{FF2B5EF4-FFF2-40B4-BE49-F238E27FC236}">
-                <a16:creationId xmlns:a16="http://schemas.microsoft.com/office/drawing/2014/main" id="{3BEFFC9E-026D-6540-8361-53FF8CDB64F9}"/>
-              </a:ext>
-            </a:extLst>
-          </p:cNvPr>
-          <p:cNvCxnSpPr/>
-          <p:nvPr/>
-        </p:nvCxnSpPr>
-        <p:spPr>
-          <a:xfrm>
-            <a:off x="272480" y="908720"/>
-            <a:ext cx="9361040" cy="0"/>
-          </a:xfrm>
-          <a:prstGeom prst="line">
-            <a:avLst/>
-          </a:prstGeom>
-        </p:spPr>
-        <p:style>
-          <a:lnRef idx="3">
-            <a:schemeClr val="dk1"/>
-          </a:lnRef>
-          <a:fillRef idx="0">
-            <a:schemeClr val="dk1"/>
-          </a:fillRef>
-          <a:effectRef idx="2">
-            <a:schemeClr val="dk1"/>
-          </a:effectRef>
-          <a:fontRef idx="minor">
-            <a:schemeClr val="tx1"/>
-          </a:fontRef>
-        </p:style>
-      </p:cxnSp>
-      <p:pic>
-        <p:nvPicPr>
-          <p:cNvPr id="4" name="Picture 3" descr="A screenshot of a cell phone&#10;&#10;Description automatically generated">
-            <a:extLst>
-              <a:ext uri="{FF2B5EF4-FFF2-40B4-BE49-F238E27FC236}">
-                <a16:creationId xmlns:a16="http://schemas.microsoft.com/office/drawing/2014/main" id="{16A4D0D8-D8E2-5246-A7D3-2FAD66871A2F}"/>
-              </a:ext>
-            </a:extLst>
-          </p:cNvPr>
-          <p:cNvPicPr>
-            <a:picLocks noChangeAspect="1"/>
-          </p:cNvPicPr>
-          <p:nvPr/>
-        </p:nvPicPr>
-        <p:blipFill>
-          <a:blip r:embed="rId3">
-            <a:extLst>
-              <a:ext uri="{28A0092B-C50C-407E-A947-70E740481C1C}">
-                <a14:useLocalDpi xmlns:a14="http://schemas.microsoft.com/office/drawing/2010/main" val="0"/>
-              </a:ext>
-            </a:extLst>
-          </a:blip>
-          <a:stretch>
-            <a:fillRect/>
-          </a:stretch>
-        </p:blipFill>
-        <p:spPr>
-          <a:xfrm>
-            <a:off x="0" y="1268760"/>
-            <a:ext cx="4953000" cy="2259263"/>
-          </a:xfrm>
-          <a:prstGeom prst="rect">
-            <a:avLst/>
-          </a:prstGeom>
-        </p:spPr>
-      </p:pic>
-      <p:sp>
-        <p:nvSpPr>
-          <p:cNvPr id="6" name="TextBox 5">
-            <a:extLst>
-              <a:ext uri="{FF2B5EF4-FFF2-40B4-BE49-F238E27FC236}">
-                <a16:creationId xmlns:a16="http://schemas.microsoft.com/office/drawing/2014/main" id="{9048AE22-045D-5D48-B6B1-7A6473B1CF37}"/>
-              </a:ext>
-            </a:extLst>
-          </p:cNvPr>
-          <p:cNvSpPr txBox="1"/>
-          <p:nvPr/>
-        </p:nvSpPr>
-        <p:spPr>
-          <a:xfrm>
-            <a:off x="5961112" y="1728554"/>
-            <a:ext cx="2569934" cy="646331"/>
-          </a:xfrm>
-          <a:prstGeom prst="rect">
-            <a:avLst/>
-          </a:prstGeom>
-          <a:noFill/>
-        </p:spPr>
-        <p:txBody>
-          <a:bodyPr wrap="none" rtlCol="0">
-            <a:spAutoFit/>
-          </a:bodyPr>
-          <a:lstStyle/>
-          <a:p>
-            <a:r>
-              <a:rPr lang="en-US" dirty="0"/>
-              <a:t>Search is not returning </a:t>
-            </a:r>
-          </a:p>
-          <a:p>
-            <a:r>
-              <a:rPr lang="en-US" dirty="0"/>
-              <a:t>“Partial Match” results</a:t>
-            </a:r>
-          </a:p>
-        </p:txBody>
-      </p:sp>
-      <p:cxnSp>
-        <p:nvCxnSpPr>
-          <p:cNvPr id="7" name="Straight Connector 6">
-            <a:extLst>
-              <a:ext uri="{FF2B5EF4-FFF2-40B4-BE49-F238E27FC236}">
-                <a16:creationId xmlns:a16="http://schemas.microsoft.com/office/drawing/2014/main" id="{A0C9DA45-A3AF-6946-AD40-65E3C5725EA8}"/>
-              </a:ext>
-            </a:extLst>
-          </p:cNvPr>
-          <p:cNvCxnSpPr/>
-          <p:nvPr/>
-        </p:nvCxnSpPr>
-        <p:spPr>
-          <a:xfrm flipH="1">
-            <a:off x="3224808" y="2051720"/>
-            <a:ext cx="2376264" cy="346671"/>
-          </a:xfrm>
-          <a:prstGeom prst="line">
-            <a:avLst/>
-          </a:prstGeom>
-          <a:ln w="63500">
-            <a:solidFill>
-              <a:srgbClr val="FF0000"/>
-            </a:solidFill>
-          </a:ln>
-        </p:spPr>
-        <p:style>
-          <a:lnRef idx="3">
-            <a:schemeClr val="accent2"/>
-          </a:lnRef>
-          <a:fillRef idx="0">
-            <a:schemeClr val="accent2"/>
-          </a:fillRef>
-          <a:effectRef idx="2">
-            <a:schemeClr val="accent2"/>
-          </a:effectRef>
-          <a:fontRef idx="minor">
-            <a:schemeClr val="tx1"/>
-          </a:fontRef>
-        </p:style>
-      </p:cxnSp>
-      <p:pic>
-        <p:nvPicPr>
-          <p:cNvPr id="3" name="Picture 2">
-            <a:extLst>
-              <a:ext uri="{FF2B5EF4-FFF2-40B4-BE49-F238E27FC236}">
-                <a16:creationId xmlns:a16="http://schemas.microsoft.com/office/drawing/2014/main" id="{0CF3B314-52EF-0340-A6B7-01BB0A9A8152}"/>
-              </a:ext>
-            </a:extLst>
-          </p:cNvPr>
-          <p:cNvPicPr>
-            <a:picLocks noChangeAspect="1"/>
-          </p:cNvPicPr>
-          <p:nvPr/>
-        </p:nvPicPr>
-        <p:blipFill>
-          <a:blip r:embed="rId4"/>
-          <a:stretch>
-            <a:fillRect/>
-          </a:stretch>
-        </p:blipFill>
-        <p:spPr>
-          <a:xfrm>
-            <a:off x="0" y="0"/>
-            <a:ext cx="9906000" cy="6858000"/>
-          </a:xfrm>
-          <a:prstGeom prst="rect">
-            <a:avLst/>
-          </a:prstGeom>
-        </p:spPr>
-      </p:pic>
-    </p:spTree>
-    <p:extLst>
-      <p:ext uri="{BB962C8B-B14F-4D97-AF65-F5344CB8AC3E}">
-        <p14:creationId xmlns:p14="http://schemas.microsoft.com/office/powerpoint/2010/main" val="1520860431"/>
-      </p:ext>
-    </p:extLst>
-  </p:cSld>
-  <p:clrMapOvr>
-    <a:masterClrMapping/>
-  </p:clrMapOvr>
-</p:sld>
-</file>
-
-<file path=ppt/slides/slide7.xml><?xml version="1.0" encoding="utf-8"?>
-<p:sld xmlns:a="http://schemas.openxmlformats.org/drawingml/2006/main" xmlns:r="http://schemas.openxmlformats.org/officeDocument/2006/relationships" xmlns:p="http://schemas.openxmlformats.org/presentationml/2006/main">
-  <p:cSld>
-    <p:spTree>
-      <p:nvGrpSpPr>
-        <p:cNvPr id="1" name=""/>
-        <p:cNvGrpSpPr/>
-        <p:nvPr/>
-      </p:nvGrpSpPr>
-      <p:grpSpPr>
-        <a:xfrm>
-          <a:off x="0" y="0"/>
-          <a:ext cx="0" cy="0"/>
-          <a:chOff x="0" y="0"/>
-          <a:chExt cx="0" cy="0"/>
-        </a:xfrm>
-      </p:grpSpPr>
-      <p:sp>
-        <p:nvSpPr>
-          <p:cNvPr id="2" name="Title 1">
-            <a:extLst>
-              <a:ext uri="{FF2B5EF4-FFF2-40B4-BE49-F238E27FC236}">
-                <a16:creationId xmlns:a16="http://schemas.microsoft.com/office/drawing/2014/main" id="{8E03E6A4-DAE7-4962-8E6B-B7D70EB215C7}"/>
-              </a:ext>
-            </a:extLst>
-          </p:cNvPr>
-          <p:cNvSpPr>
-            <a:spLocks noGrp="1"/>
-          </p:cNvSpPr>
-          <p:nvPr>
-            <p:ph type="title"/>
-          </p:nvPr>
-        </p:nvSpPr>
-        <p:spPr>
-          <a:xfrm>
-            <a:off x="0" y="274638"/>
-            <a:ext cx="9906000" cy="1143000"/>
-          </a:xfrm>
-        </p:spPr>
-        <p:txBody>
-          <a:bodyPr/>
-          <a:lstStyle/>
-          <a:p>
-            <a:r>
-              <a:rPr lang="en-GB" sz="3200" dirty="0">
-                <a:solidFill>
-                  <a:schemeClr val="tx1"/>
-                </a:solidFill>
-              </a:rPr>
-              <a:t>Quotes</a:t>
-            </a:r>
-          </a:p>
-        </p:txBody>
-      </p:sp>
-      <p:cxnSp>
-        <p:nvCxnSpPr>
-          <p:cNvPr id="10" name="Straight Connector 9">
-            <a:extLst>
-              <a:ext uri="{FF2B5EF4-FFF2-40B4-BE49-F238E27FC236}">
-                <a16:creationId xmlns:a16="http://schemas.microsoft.com/office/drawing/2014/main" id="{3BEFFC9E-026D-6540-8361-53FF8CDB64F9}"/>
-              </a:ext>
-            </a:extLst>
-          </p:cNvPr>
-          <p:cNvCxnSpPr/>
-          <p:nvPr/>
-        </p:nvCxnSpPr>
-        <p:spPr>
-          <a:xfrm>
-            <a:off x="272480" y="908720"/>
-            <a:ext cx="9361040" cy="0"/>
-          </a:xfrm>
-          <a:prstGeom prst="line">
-            <a:avLst/>
-          </a:prstGeom>
-        </p:spPr>
-        <p:style>
-          <a:lnRef idx="3">
-            <a:schemeClr val="dk1"/>
-          </a:lnRef>
-          <a:fillRef idx="0">
-            <a:schemeClr val="dk1"/>
-          </a:fillRef>
-          <a:effectRef idx="2">
-            <a:schemeClr val="dk1"/>
-          </a:effectRef>
-          <a:fontRef idx="minor">
-            <a:schemeClr val="tx1"/>
-          </a:fontRef>
-        </p:style>
-      </p:cxnSp>
-      <p:sp>
-        <p:nvSpPr>
-          <p:cNvPr id="6" name="TextBox 5">
-            <a:extLst>
-              <a:ext uri="{FF2B5EF4-FFF2-40B4-BE49-F238E27FC236}">
-                <a16:creationId xmlns:a16="http://schemas.microsoft.com/office/drawing/2014/main" id="{9048AE22-045D-5D48-B6B1-7A6473B1CF37}"/>
-              </a:ext>
-            </a:extLst>
-          </p:cNvPr>
-          <p:cNvSpPr txBox="1"/>
-          <p:nvPr/>
-        </p:nvSpPr>
-        <p:spPr>
-          <a:xfrm>
-            <a:off x="272480" y="1514243"/>
-            <a:ext cx="9361040" cy="4801314"/>
-          </a:xfrm>
-          <a:prstGeom prst="rect">
-            <a:avLst/>
-          </a:prstGeom>
-          <a:noFill/>
-        </p:spPr>
-        <p:txBody>
-          <a:bodyPr wrap="square" rtlCol="0">
-            <a:spAutoFit/>
-          </a:bodyPr>
-          <a:lstStyle/>
-          <a:p>
-            <a:r>
-              <a:rPr lang="en-US" b="1" dirty="0"/>
-              <a:t>Website</a:t>
-            </a:r>
-          </a:p>
-          <a:p>
-            <a:pPr marL="285750" indent="-285750">
-              <a:buFont typeface="Arial" panose="020B0604020202020204" pitchFamily="34" charset="0"/>
-              <a:buChar char="•"/>
-            </a:pPr>
-            <a:r>
-              <a:rPr lang="en-US" dirty="0"/>
-              <a:t>“Needs a Search Bar”</a:t>
-            </a:r>
-          </a:p>
-          <a:p>
-            <a:pPr marL="285750" indent="-285750">
-              <a:buFont typeface="Arial" panose="020B0604020202020204" pitchFamily="34" charset="0"/>
-              <a:buChar char="•"/>
-            </a:pPr>
-            <a:r>
-              <a:rPr lang="en-GB" dirty="0"/>
-              <a:t>“I would just do a Google Search”</a:t>
-            </a:r>
-            <a:endParaRPr lang="en-US" dirty="0"/>
-          </a:p>
-          <a:p>
-            <a:endParaRPr lang="en-US" dirty="0"/>
-          </a:p>
-          <a:p>
-            <a:r>
-              <a:rPr lang="en-US" b="1" dirty="0"/>
-              <a:t>Listings</a:t>
-            </a:r>
-          </a:p>
-          <a:p>
-            <a:pPr marL="285750" indent="-285750">
-              <a:buFont typeface="Arial" panose="020B0604020202020204" pitchFamily="34" charset="0"/>
-              <a:buChar char="•"/>
-            </a:pPr>
-            <a:r>
-              <a:rPr lang="en-GB" dirty="0"/>
-              <a:t>“I don’t like this listing. It is making me scroll too much.” </a:t>
-            </a:r>
-          </a:p>
-          <a:p>
-            <a:pPr marL="285750" indent="-285750">
-              <a:buFont typeface="Arial" panose="020B0604020202020204" pitchFamily="34" charset="0"/>
-              <a:buChar char="•"/>
-            </a:pPr>
-            <a:r>
-              <a:rPr lang="en-GB" dirty="0"/>
-              <a:t>“Eligibility could be a bit clearer”</a:t>
-            </a:r>
-          </a:p>
-          <a:p>
-            <a:endParaRPr lang="en-US" dirty="0"/>
-          </a:p>
-          <a:p>
-            <a:r>
-              <a:rPr lang="en-US" b="1" dirty="0"/>
-              <a:t>Form</a:t>
-            </a:r>
-          </a:p>
-          <a:p>
-            <a:pPr marL="285750" indent="-285750">
-              <a:buFont typeface="Arial" panose="020B0604020202020204" pitchFamily="34" charset="0"/>
-              <a:buChar char="•"/>
-            </a:pPr>
-            <a:r>
-              <a:rPr lang="en-GB" dirty="0"/>
-              <a:t>“I would expect something a bit more personal”</a:t>
-            </a:r>
-          </a:p>
-          <a:p>
-            <a:pPr marL="285750" indent="-285750">
-              <a:buFont typeface="Arial" panose="020B0604020202020204" pitchFamily="34" charset="0"/>
-              <a:buChar char="•"/>
-            </a:pPr>
-            <a:r>
-              <a:rPr lang="en-GB" dirty="0"/>
-              <a:t>“An email or phone number would be better”</a:t>
-            </a:r>
-          </a:p>
-          <a:p>
-            <a:pPr marL="285750" indent="-285750">
-              <a:buFont typeface="Arial" panose="020B0604020202020204" pitchFamily="34" charset="0"/>
-              <a:buChar char="•"/>
-            </a:pPr>
-            <a:r>
-              <a:rPr lang="en-GB" dirty="0"/>
-              <a:t>“The perception of forms like this is that you will literally never hear back”</a:t>
-            </a:r>
-          </a:p>
-          <a:p>
-            <a:pPr marL="285750" indent="-285750">
-              <a:buFont typeface="Arial" panose="020B0604020202020204" pitchFamily="34" charset="0"/>
-              <a:buChar char="•"/>
-            </a:pPr>
-            <a:r>
-              <a:rPr lang="en-GB" dirty="0"/>
-              <a:t>“Offer phone number on the page before. </a:t>
-            </a:r>
-          </a:p>
-          <a:p>
-            <a:pPr marL="285750" indent="-285750">
-              <a:buFont typeface="Arial" panose="020B0604020202020204" pitchFamily="34" charset="0"/>
-              <a:buChar char="•"/>
-            </a:pPr>
-            <a:r>
-              <a:rPr lang="en-GB" dirty="0"/>
-              <a:t>“It is a really straightforward form”</a:t>
-            </a:r>
-          </a:p>
-          <a:p>
-            <a:pPr marL="285750" indent="-285750">
-              <a:buFont typeface="Arial" panose="020B0604020202020204" pitchFamily="34" charset="0"/>
-              <a:buChar char="•"/>
-            </a:pPr>
-            <a:r>
-              <a:rPr lang="en-GB" dirty="0"/>
-              <a:t>“It would be good to see a copy of the enquiry. Email me a copy and give me an enquiry number”</a:t>
-            </a:r>
-            <a:endParaRPr lang="en-US" dirty="0"/>
-          </a:p>
-          <a:p>
-            <a:endParaRPr lang="en-US" dirty="0"/>
-          </a:p>
-        </p:txBody>
-      </p:sp>
-    </p:spTree>
-    <p:extLst>
-      <p:ext uri="{BB962C8B-B14F-4D97-AF65-F5344CB8AC3E}">
-        <p14:creationId xmlns:p14="http://schemas.microsoft.com/office/powerpoint/2010/main" val="3211734006"/>
       </p:ext>
     </p:extLst>
   </p:cSld>
@@ -7507,6 +6268,15 @@
 </file>
 
 <file path=customXml/item1.xml><?xml version="1.0" encoding="utf-8"?>
+<?mso-contentType ?>
+<FormTemplates xmlns="http://schemas.microsoft.com/sharepoint/v3/contenttype/forms">
+  <Display>DocumentLibraryForm</Display>
+  <Edit>DocumentLibraryForm</Edit>
+  <New>DocumentLibraryForm</New>
+</FormTemplates>
+</file>
+
+<file path=customXml/item2.xml><?xml version="1.0" encoding="utf-8"?>
 <p:properties xmlns:p="http://schemas.microsoft.com/office/2006/metadata/properties" xmlns:xsi="http://www.w3.org/2001/XMLSchema-instance" xmlns:pc="http://schemas.microsoft.com/office/infopath/2007/PartnerControls">
   <documentManagement>
     <_Flow_SignoffStatus xmlns="6db2c8f2-fe83-4eb7-aef3-51a35d5deb60" xsi:nil="true"/>
@@ -7518,15 +6288,6 @@
     </Link>
   </documentManagement>
 </p:properties>
-</file>
-
-<file path=customXml/item2.xml><?xml version="1.0" encoding="utf-8"?>
-<?mso-contentType ?>
-<FormTemplates xmlns="http://schemas.microsoft.com/sharepoint/v3/contenttype/forms">
-  <Display>DocumentLibraryForm</Display>
-  <Edit>DocumentLibraryForm</Edit>
-  <New>DocumentLibraryForm</New>
-</FormTemplates>
 </file>
 
 <file path=customXml/item3.xml><?xml version="1.0" encoding="utf-8"?>
@@ -7754,6 +6515,14 @@
 </file>
 
 <file path=customXml/itemProps1.xml><?xml version="1.0" encoding="utf-8"?>
+<ds:datastoreItem xmlns:ds="http://schemas.openxmlformats.org/officeDocument/2006/customXml" ds:itemID="{936BBD3D-5952-4429-8E4B-D240C2B83775}">
+  <ds:schemaRefs>
+    <ds:schemaRef ds:uri="http://schemas.microsoft.com/sharepoint/v3/contenttype/forms"/>
+  </ds:schemaRefs>
+</ds:datastoreItem>
+</file>
+
+<file path=customXml/itemProps2.xml><?xml version="1.0" encoding="utf-8"?>
 <ds:datastoreItem xmlns:ds="http://schemas.openxmlformats.org/officeDocument/2006/customXml" ds:itemID="{F194AF57-505B-43E7-8B2B-F88E875D2B2E}">
   <ds:schemaRefs>
     <ds:schemaRef ds:uri="http://schemas.microsoft.com/office/2006/metadata/properties"/>
@@ -7766,14 +6535,6 @@
     <ds:schemaRef ds:uri="6db2c8f2-fe83-4eb7-aef3-51a35d5deb60"/>
     <ds:schemaRef ds:uri="http://schemas.microsoft.com/office/2006/documentManagement/types"/>
     <ds:schemaRef ds:uri="http://schemas.openxmlformats.org/package/2006/metadata/core-properties"/>
-  </ds:schemaRefs>
-</ds:datastoreItem>
-</file>
-
-<file path=customXml/itemProps2.xml><?xml version="1.0" encoding="utf-8"?>
-<ds:datastoreItem xmlns:ds="http://schemas.openxmlformats.org/officeDocument/2006/customXml" ds:itemID="{936BBD3D-5952-4429-8E4B-D240C2B83775}">
-  <ds:schemaRefs>
-    <ds:schemaRef ds:uri="http://schemas.microsoft.com/sharepoint/v3/contenttype/forms"/>
   </ds:schemaRefs>
 </ds:datastoreItem>
 </file>
